--- a/res/SpaceApps.pptx
+++ b/res/SpaceApps.pptx
@@ -5,17 +5,16 @@
     <p:sldMasterId id="2147483648" r:id="rId1"/>
   </p:sldMasterIdLst>
   <p:notesMasterIdLst>
-    <p:notesMasterId r:id="rId10"/>
+    <p:notesMasterId r:id="rId9"/>
   </p:notesMasterIdLst>
   <p:sldIdLst>
     <p:sldId id="260" r:id="rId2"/>
     <p:sldId id="259" r:id="rId3"/>
-    <p:sldId id="261" r:id="rId4"/>
-    <p:sldId id="262" r:id="rId5"/>
-    <p:sldId id="263" r:id="rId6"/>
-    <p:sldId id="264" r:id="rId7"/>
-    <p:sldId id="265" r:id="rId8"/>
-    <p:sldId id="266" r:id="rId9"/>
+    <p:sldId id="263" r:id="rId4"/>
+    <p:sldId id="267" r:id="rId5"/>
+    <p:sldId id="264" r:id="rId6"/>
+    <p:sldId id="265" r:id="rId7"/>
+    <p:sldId id="266" r:id="rId8"/>
   </p:sldIdLst>
   <p:sldSz cx="9144000" cy="6858000" type="screen4x3"/>
   <p:notesSz cx="6858000" cy="9144000"/>
@@ -3750,20 +3749,14 @@
               <a:rPr lang="en-CA" dirty="0">
                 <a:effectLst/>
               </a:rPr>
-              <a:t>“challenge</a:t>
-            </a:r>
-            <a:r>
-              <a:rPr lang="en-CA">
-                <a:effectLst/>
-              </a:rPr>
-              <a:t>”: “</a:t>
-            </a:r>
-            <a:r>
-              <a:rPr lang="en-CA"/>
+              <a:t>“challenge”: “</a:t>
+            </a:r>
+            <a:r>
+              <a:rPr lang="en-CA" dirty="0"/>
               <a:t>1D, 2D, 3D, GO!</a:t>
             </a:r>
             <a:r>
-              <a:rPr lang="en-CA">
+              <a:rPr lang="en-CA" dirty="0">
                 <a:effectLst/>
               </a:rPr>
               <a:t>”,</a:t>
@@ -3784,7 +3777,7 @@
             </a:r>
             <a:r>
               <a:rPr lang="en-CA" dirty="0"/>
-              <a:t>“Web-based Space Mission Visualization and Situational Awareness App”,</a:t>
+              <a:t>“Web-based App Radiation Management”,</a:t>
             </a:r>
             <a:br>
               <a:rPr lang="en-CA" dirty="0">
@@ -3968,13 +3961,13 @@
         </p:nvSpPr>
         <p:spPr>
           <a:xfrm>
-            <a:off x="381000" y="685800"/>
-            <a:ext cx="7924800" cy="5867400"/>
+            <a:off x="228600" y="685800"/>
+            <a:ext cx="8077200" cy="5867400"/>
           </a:xfrm>
         </p:spPr>
         <p:txBody>
           <a:bodyPr>
-            <a:normAutofit fontScale="85000" lnSpcReduction="20000"/>
+            <a:normAutofit fontScale="92500" lnSpcReduction="20000"/>
           </a:bodyPr>
           <a:lstStyle/>
           <a:p>
@@ -4033,7 +4026,7 @@
               <a:rPr lang="en-CA" sz="1900" dirty="0">
                 <a:effectLst/>
               </a:rPr>
-              <a:t>“occupation" : “Student </a:t>
+              <a:t>“occupation" : “University of Waterloo Student </a:t>
             </a:r>
             <a:r>
               <a:rPr lang="en-CA" sz="1900" dirty="0"/>
@@ -4054,7 +4047,7 @@
               <a:rPr lang="en-CA" sz="1900" dirty="0">
                 <a:effectLst/>
               </a:rPr>
-              <a:t>"company" : “Waterloo University",</a:t>
+              <a:t>"email" : “vroch@edu.uwaterloo.ca",</a:t>
             </a:r>
             <a:br>
               <a:rPr lang="en-CA" sz="1900" dirty="0">
@@ -4065,7 +4058,17 @@
               <a:rPr lang="en-CA" sz="1900" dirty="0">
                 <a:effectLst/>
               </a:rPr>
-              <a:t>"email" : “vroch@edu.uwaterloo.ca",</a:t>
+              <a:t>"mobile" : "(613) </a:t>
+            </a:r>
+            <a:r>
+              <a:rPr lang="en-CA" sz="1900" dirty="0"/>
+              <a:t>408</a:t>
+            </a:r>
+            <a:r>
+              <a:rPr lang="en-CA" sz="1900" dirty="0">
+                <a:effectLst/>
+              </a:rPr>
+              <a:t>-2495"</a:t>
             </a:r>
             <a:br>
               <a:rPr lang="en-CA" sz="1900" dirty="0">
@@ -4076,17 +4079,81 @@
               <a:rPr lang="en-CA" sz="1900" dirty="0">
                 <a:effectLst/>
               </a:rPr>
-              <a:t>"mobile" : "(613) </a:t>
-            </a:r>
-            <a:r>
-              <a:rPr lang="en-CA" sz="1900" dirty="0"/>
-              <a:t>408</a:t>
-            </a:r>
+              <a:t>}</a:t>
+            </a:r>
+          </a:p>
+          <a:p>
+            <a:pPr marL="0" indent="0">
+              <a:spcBef>
+                <a:spcPts val="300"/>
+              </a:spcBef>
+              <a:buNone/>
+            </a:pPr>
+            <a:endParaRPr lang="en-US" sz="1900" dirty="0"/>
+          </a:p>
+          <a:p>
+            <a:pPr marL="0" indent="0">
+              <a:spcBef>
+                <a:spcPts val="300"/>
+              </a:spcBef>
+              <a:buNone/>
+            </a:pPr>
+            <a:endParaRPr lang="en-CA" sz="1900" dirty="0"/>
+          </a:p>
+          <a:p>
+            <a:pPr marL="0" indent="0">
+              <a:spcBef>
+                <a:spcPts val="300"/>
+              </a:spcBef>
+              <a:buNone/>
+            </a:pPr>
             <a:r>
               <a:rPr lang="en-CA" sz="1900" dirty="0">
                 <a:effectLst/>
               </a:rPr>
-              <a:t>-2495"</a:t>
+              <a:t>{ </a:t>
+            </a:r>
+          </a:p>
+          <a:p>
+            <a:pPr marL="0" indent="0">
+              <a:spcBef>
+                <a:spcPts val="300"/>
+              </a:spcBef>
+              <a:buNone/>
+            </a:pPr>
+            <a:r>
+              <a:rPr lang="en-CA" sz="1900" dirty="0"/>
+              <a:t>“name”: “Johanne </a:t>
+            </a:r>
+            <a:r>
+              <a:rPr lang="en-CA" sz="1900" dirty="0" err="1"/>
+              <a:t>Bordeleau</a:t>
+            </a:r>
+            <a:r>
+              <a:rPr lang="en-CA" sz="1900" dirty="0"/>
+              <a:t>, </a:t>
+            </a:r>
+            <a:r>
+              <a:rPr lang="en-CA" sz="1900" dirty="0" err="1"/>
+              <a:t>P.Eng</a:t>
+            </a:r>
+            <a:r>
+              <a:rPr lang="en-CA" sz="1900" dirty="0"/>
+              <a:t>.”,</a:t>
+            </a:r>
+          </a:p>
+          <a:p>
+            <a:pPr marL="0" indent="0">
+              <a:spcBef>
+                <a:spcPts val="300"/>
+              </a:spcBef>
+              <a:buNone/>
+            </a:pPr>
+            <a:r>
+              <a:rPr lang="en-CA" sz="1900" dirty="0">
+                <a:effectLst/>
+              </a:rPr>
+              <a:t>“role”: “software engineer having fun”,</a:t>
             </a:r>
             <a:br>
               <a:rPr lang="en-CA" sz="1900" dirty="0">
@@ -4097,81 +4164,7 @@
               <a:rPr lang="en-CA" sz="1900" dirty="0">
                 <a:effectLst/>
               </a:rPr>
-              <a:t>}</a:t>
-            </a:r>
-          </a:p>
-          <a:p>
-            <a:pPr marL="0" indent="0">
-              <a:spcBef>
-                <a:spcPts val="300"/>
-              </a:spcBef>
-              <a:buNone/>
-            </a:pPr>
-            <a:endParaRPr lang="en-US" sz="1900" dirty="0"/>
-          </a:p>
-          <a:p>
-            <a:pPr marL="0" indent="0">
-              <a:spcBef>
-                <a:spcPts val="300"/>
-              </a:spcBef>
-              <a:buNone/>
-            </a:pPr>
-            <a:endParaRPr lang="en-CA" sz="1900" dirty="0"/>
-          </a:p>
-          <a:p>
-            <a:pPr marL="0" indent="0">
-              <a:spcBef>
-                <a:spcPts val="300"/>
-              </a:spcBef>
-              <a:buNone/>
-            </a:pPr>
-            <a:r>
-              <a:rPr lang="en-CA" sz="1900" dirty="0">
-                <a:effectLst/>
-              </a:rPr>
-              <a:t>{ </a:t>
-            </a:r>
-          </a:p>
-          <a:p>
-            <a:pPr marL="0" indent="0">
-              <a:spcBef>
-                <a:spcPts val="300"/>
-              </a:spcBef>
-              <a:buNone/>
-            </a:pPr>
-            <a:r>
-              <a:rPr lang="en-CA" sz="1900" dirty="0"/>
-              <a:t>“name”: “Johanne </a:t>
-            </a:r>
-            <a:r>
-              <a:rPr lang="en-CA" sz="1900" dirty="0" err="1"/>
-              <a:t>Bordeleau</a:t>
-            </a:r>
-            <a:r>
-              <a:rPr lang="en-CA" sz="1900" dirty="0"/>
-              <a:t>, </a:t>
-            </a:r>
-            <a:r>
-              <a:rPr lang="en-CA" sz="1900" dirty="0" err="1"/>
-              <a:t>P.Eng</a:t>
-            </a:r>
-            <a:r>
-              <a:rPr lang="en-CA" sz="1900" dirty="0"/>
-              <a:t>.”,</a:t>
-            </a:r>
-          </a:p>
-          <a:p>
-            <a:pPr marL="0" indent="0">
-              <a:spcBef>
-                <a:spcPts val="300"/>
-              </a:spcBef>
-              <a:buNone/>
-            </a:pPr>
-            <a:r>
-              <a:rPr lang="en-CA" sz="1900" dirty="0">
-                <a:effectLst/>
-              </a:rPr>
-              <a:t>“role”: “software engineer having fun”,</a:t>
+              <a:t>“occupation" : “Senior Software Engineer,",</a:t>
             </a:r>
             <a:br>
               <a:rPr lang="en-CA" sz="1900" dirty="0">
@@ -4182,7 +4175,7 @@
               <a:rPr lang="en-CA" sz="1900" dirty="0">
                 <a:effectLst/>
               </a:rPr>
-              <a:t>“occupation" : “Senior Software Engineer,  Data Architect",</a:t>
+              <a:t>"email" : “johannebordeleau@bell.net",</a:t>
             </a:r>
             <a:br>
               <a:rPr lang="en-CA" sz="1900" dirty="0">
@@ -4193,7 +4186,7 @@
               <a:rPr lang="en-CA" sz="1900" dirty="0">
                 <a:effectLst/>
               </a:rPr>
-              <a:t>"company" : "IBM",</a:t>
+              <a:t>"mobile" : "(613) 791-6655"</a:t>
             </a:r>
             <a:br>
               <a:rPr lang="en-CA" sz="1900" dirty="0">
@@ -4204,7 +4197,56 @@
               <a:rPr lang="en-CA" sz="1900" dirty="0">
                 <a:effectLst/>
               </a:rPr>
-              <a:t>"email" : “johannebordeleau@bell.net",</a:t>
+              <a:t>}</a:t>
+            </a:r>
+          </a:p>
+          <a:p>
+            <a:pPr marL="0" indent="0">
+              <a:spcBef>
+                <a:spcPts val="300"/>
+              </a:spcBef>
+              <a:buNone/>
+            </a:pPr>
+            <a:endParaRPr lang="en-CA" sz="1900" dirty="0"/>
+          </a:p>
+          <a:p>
+            <a:pPr marL="0" indent="0">
+              <a:spcBef>
+                <a:spcPts val="300"/>
+              </a:spcBef>
+              <a:buNone/>
+            </a:pPr>
+            <a:r>
+              <a:rPr lang="en-CA" sz="1900" dirty="0">
+                <a:effectLst/>
+              </a:rPr>
+              <a:t>{ </a:t>
+            </a:r>
+          </a:p>
+          <a:p>
+            <a:pPr marL="0" indent="0">
+              <a:spcBef>
+                <a:spcPts val="300"/>
+              </a:spcBef>
+              <a:buNone/>
+            </a:pPr>
+            <a:r>
+              <a:rPr lang="en-CA" sz="1900" dirty="0"/>
+              <a:t>“name”: “Johnny Slater”,</a:t>
+            </a:r>
+          </a:p>
+          <a:p>
+            <a:pPr marL="0" indent="0">
+              <a:spcBef>
+                <a:spcPts val="300"/>
+              </a:spcBef>
+              <a:buNone/>
+            </a:pPr>
+            <a:r>
+              <a:rPr lang="en-CA" sz="1900" dirty="0">
+                <a:effectLst/>
+              </a:rPr>
+              <a:t>“role”: “SME day dreaming”,</a:t>
             </a:r>
             <a:br>
               <a:rPr lang="en-CA" sz="1900" dirty="0">
@@ -4215,77 +4257,6 @@
               <a:rPr lang="en-CA" sz="1900" dirty="0">
                 <a:effectLst/>
               </a:rPr>
-              <a:t>"mobile" : "(613) 791-6655"</a:t>
-            </a:r>
-            <a:br>
-              <a:rPr lang="en-CA" sz="1900" dirty="0">
-                <a:effectLst/>
-              </a:rPr>
-            </a:br>
-            <a:r>
-              <a:rPr lang="en-CA" sz="1900" dirty="0">
-                <a:effectLst/>
-              </a:rPr>
-              <a:t>}</a:t>
-            </a:r>
-          </a:p>
-          <a:p>
-            <a:pPr marL="0" indent="0">
-              <a:spcBef>
-                <a:spcPts val="300"/>
-              </a:spcBef>
-              <a:buNone/>
-            </a:pPr>
-            <a:endParaRPr lang="en-CA" sz="1900" dirty="0"/>
-          </a:p>
-          <a:p>
-            <a:pPr marL="0" indent="0">
-              <a:spcBef>
-                <a:spcPts val="300"/>
-              </a:spcBef>
-              <a:buNone/>
-            </a:pPr>
-            <a:r>
-              <a:rPr lang="en-CA" sz="1900" dirty="0">
-                <a:effectLst/>
-              </a:rPr>
-              <a:t>{ </a:t>
-            </a:r>
-          </a:p>
-          <a:p>
-            <a:pPr marL="0" indent="0">
-              <a:spcBef>
-                <a:spcPts val="300"/>
-              </a:spcBef>
-              <a:buNone/>
-            </a:pPr>
-            <a:r>
-              <a:rPr lang="en-CA" sz="1900" dirty="0"/>
-              <a:t>“name”: “Johnny Slater”,</a:t>
-            </a:r>
-          </a:p>
-          <a:p>
-            <a:pPr marL="0" indent="0">
-              <a:spcBef>
-                <a:spcPts val="300"/>
-              </a:spcBef>
-              <a:buNone/>
-            </a:pPr>
-            <a:r>
-              <a:rPr lang="en-CA" sz="1900" dirty="0">
-                <a:effectLst/>
-              </a:rPr>
-              <a:t>“role”: “SME day dreaming”,</a:t>
-            </a:r>
-            <a:br>
-              <a:rPr lang="en-CA" sz="1900" dirty="0">
-                <a:effectLst/>
-              </a:rPr>
-            </a:br>
-            <a:r>
-              <a:rPr lang="en-CA" sz="1900" dirty="0">
-                <a:effectLst/>
-              </a:rPr>
               <a:t>"title" : “</a:t>
             </a:r>
             <a:r>
@@ -4297,17 +4268,6 @@
                 <a:effectLst/>
               </a:rPr>
               <a:t>Architect",</a:t>
-            </a:r>
-            <a:br>
-              <a:rPr lang="en-CA" sz="1900" dirty="0">
-                <a:effectLst/>
-              </a:rPr>
-            </a:br>
-            <a:r>
-              <a:rPr lang="en-CA" sz="1900" dirty="0">
-                <a:effectLst/>
-              </a:rPr>
-              <a:t>"company" : “DND",</a:t>
             </a:r>
             <a:br>
               <a:rPr lang="en-CA" sz="1900" dirty="0">
@@ -4454,7 +4414,7 @@
         </p:blipFill>
         <p:spPr>
           <a:xfrm>
-            <a:off x="6156960" y="4953000"/>
+            <a:off x="4786343" y="4861560"/>
             <a:ext cx="1219200" cy="1219200"/>
           </a:xfrm>
           <a:prstGeom prst="rect">
@@ -4484,7 +4444,7 @@
         </p:blipFill>
         <p:spPr>
           <a:xfrm>
-            <a:off x="6060440" y="3124200"/>
+            <a:off x="4786343" y="2948940"/>
             <a:ext cx="1341120" cy="1341120"/>
           </a:xfrm>
           <a:prstGeom prst="rect">
@@ -4514,8 +4474,8 @@
         </p:blipFill>
         <p:spPr>
           <a:xfrm>
-            <a:off x="5638800" y="762000"/>
-            <a:ext cx="2209800" cy="2209800"/>
+            <a:off x="6923754" y="846435"/>
+            <a:ext cx="2102505" cy="2102505"/>
           </a:xfrm>
           <a:prstGeom prst="rect">
             <a:avLst/>
@@ -4609,7 +4569,7 @@
           <a:p>
             <a:r>
               <a:rPr lang="en-US" sz="2400" b="1" dirty="0"/>
-              <a:t>The Challenge</a:t>
+              <a:t>WARM Solution Overview</a:t>
             </a:r>
             <a:endParaRPr lang="en-CA" sz="2400" b="1" dirty="0"/>
           </a:p>
@@ -4672,79 +4632,34 @@
           </a:p>
         </p:txBody>
       </p:sp>
-      <p:sp>
-        <p:nvSpPr>
-          <p:cNvPr id="3" name="Rectangle 2"/>
-          <p:cNvSpPr/>
-          <p:nvPr/>
-        </p:nvSpPr>
-        <p:spPr>
-          <a:xfrm>
-            <a:off x="914400" y="990600"/>
-            <a:ext cx="6781800" cy="1754326"/>
-          </a:xfrm>
-          <a:prstGeom prst="rect">
-            <a:avLst/>
-          </a:prstGeom>
-        </p:spPr>
-        <p:txBody>
-          <a:bodyPr wrap="square">
-            <a:spAutoFit/>
-          </a:bodyPr>
-          <a:lstStyle/>
-          <a:p>
-            <a:r>
-              <a:rPr lang="en-CA" dirty="0"/>
-              <a:t>Your challenge is to develop interactive 3D tools that display trajectories, spacecraft, instrumentation, Earth coverage, and data visualizations! Research previous and ongoing Earth science missions and available data, and develop a tool that explains the mission or visualizes the data collected.  Design your tool to engage the general public, especially teachers and students!</a:t>
-            </a:r>
-          </a:p>
-        </p:txBody>
-      </p:sp>
       <p:pic>
         <p:nvPicPr>
-          <p:cNvPr id="1026" name="Picture 2" descr="Health Effects of Ionizing Radiation"/>
+          <p:cNvPr id="4" name="Picture 3"/>
           <p:cNvPicPr>
-            <a:picLocks noChangeAspect="1" noChangeArrowheads="1"/>
+            <a:picLocks noChangeAspect="1"/>
           </p:cNvPicPr>
           <p:nvPr/>
         </p:nvPicPr>
         <p:blipFill>
-          <a:blip r:embed="rId2">
-            <a:extLst>
-              <a:ext uri="{28A0092B-C50C-407E-A947-70E740481C1C}">
-                <a14:useLocalDpi xmlns:a14="http://schemas.microsoft.com/office/drawing/2010/main" val="0"/>
-              </a:ext>
-            </a:extLst>
-          </a:blip>
-          <a:srcRect/>
+          <a:blip r:embed="rId2"/>
           <a:stretch>
             <a:fillRect/>
           </a:stretch>
         </p:blipFill>
-        <p:spPr bwMode="auto">
-          <a:xfrm>
-            <a:off x="2971800" y="3454904"/>
-            <a:ext cx="4286250" cy="2314575"/>
+        <p:spPr>
+          <a:xfrm>
+            <a:off x="302099" y="1341383"/>
+            <a:ext cx="8539801" cy="4175234"/>
           </a:xfrm>
           <a:prstGeom prst="rect">
             <a:avLst/>
           </a:prstGeom>
-          <a:noFill/>
-          <a:extLst>
-            <a:ext uri="{909E8E84-426E-40DD-AFC4-6F175D3DCCD1}">
-              <a14:hiddenFill xmlns:a14="http://schemas.microsoft.com/office/drawing/2010/main">
-                <a:solidFill>
-                  <a:srgbClr val="FFFFFF"/>
-                </a:solidFill>
-              </a14:hiddenFill>
-            </a:ext>
-          </a:extLst>
         </p:spPr>
       </p:pic>
     </p:spTree>
     <p:extLst>
       <p:ext uri="{BB962C8B-B14F-4D97-AF65-F5344CB8AC3E}">
-        <p14:creationId xmlns:p14="http://schemas.microsoft.com/office/powerpoint/2010/main" val="1892699513"/>
+        <p14:creationId xmlns:p14="http://schemas.microsoft.com/office/powerpoint/2010/main" val="2268580251"/>
       </p:ext>
     </p:extLst>
   </p:cSld>
@@ -4798,7 +4713,7 @@
           <a:p>
             <a:r>
               <a:rPr lang="en-US" sz="2400" b="1" dirty="0"/>
-              <a:t>The Opportunity</a:t>
+              <a:t>WARM Mock-Up</a:t>
             </a:r>
             <a:endParaRPr lang="en-CA" sz="2400" b="1" dirty="0"/>
           </a:p>
@@ -4861,10 +4776,34 @@
           </a:p>
         </p:txBody>
       </p:sp>
+      <p:pic>
+        <p:nvPicPr>
+          <p:cNvPr id="5" name="Picture 4"/>
+          <p:cNvPicPr>
+            <a:picLocks noChangeAspect="1"/>
+          </p:cNvPicPr>
+          <p:nvPr/>
+        </p:nvPicPr>
+        <p:blipFill>
+          <a:blip r:embed="rId2"/>
+          <a:stretch>
+            <a:fillRect/>
+          </a:stretch>
+        </p:blipFill>
+        <p:spPr>
+          <a:xfrm>
+            <a:off x="289199" y="591900"/>
+            <a:ext cx="8565601" cy="5674200"/>
+          </a:xfrm>
+          <a:prstGeom prst="rect">
+            <a:avLst/>
+          </a:prstGeom>
+        </p:spPr>
+      </p:pic>
     </p:spTree>
     <p:extLst>
       <p:ext uri="{BB962C8B-B14F-4D97-AF65-F5344CB8AC3E}">
-        <p14:creationId xmlns:p14="http://schemas.microsoft.com/office/powerpoint/2010/main" val="1784346232"/>
+        <p14:creationId xmlns:p14="http://schemas.microsoft.com/office/powerpoint/2010/main" val="3695575715"/>
       </p:ext>
     </p:extLst>
   </p:cSld>
@@ -4918,7 +4857,7 @@
           <a:p>
             <a:r>
               <a:rPr lang="en-US" sz="2400" b="1" dirty="0"/>
-              <a:t>The Solution Overview</a:t>
+              <a:t>WARM System Context</a:t>
             </a:r>
             <a:endParaRPr lang="en-CA" sz="2400" b="1" dirty="0"/>
           </a:p>
@@ -4981,87 +4920,10 @@
           </a:p>
         </p:txBody>
       </p:sp>
-      <p:sp>
-        <p:nvSpPr>
-          <p:cNvPr id="3" name="TextBox 2"/>
-          <p:cNvSpPr txBox="1"/>
-          <p:nvPr/>
-        </p:nvSpPr>
-        <p:spPr>
-          <a:xfrm>
-            <a:off x="762000" y="990600"/>
-            <a:ext cx="6629400" cy="2585323"/>
-          </a:xfrm>
-          <a:prstGeom prst="rect">
-            <a:avLst/>
-          </a:prstGeom>
-          <a:noFill/>
-        </p:spPr>
-        <p:txBody>
-          <a:bodyPr wrap="square" rtlCol="0">
-            <a:spAutoFit/>
-          </a:bodyPr>
-          <a:lstStyle/>
-          <a:p>
-            <a:r>
-              <a:rPr lang="en-US" dirty="0"/>
-              <a:t>Used technologies:</a:t>
-            </a:r>
-          </a:p>
-          <a:p>
-            <a:endParaRPr lang="en-US" dirty="0"/>
-          </a:p>
-          <a:p>
-            <a:r>
-              <a:rPr lang="en-US" dirty="0"/>
-              <a:t>JSON</a:t>
-            </a:r>
-          </a:p>
-          <a:p>
-            <a:r>
-              <a:rPr lang="en-US"/>
-              <a:t>HTTP / REST</a:t>
-            </a:r>
-            <a:endParaRPr lang="en-US" dirty="0"/>
-          </a:p>
-          <a:p>
-            <a:r>
-              <a:rPr lang="en-US" dirty="0"/>
-              <a:t>Node.js</a:t>
-            </a:r>
-          </a:p>
-          <a:p>
-            <a:r>
-              <a:rPr lang="en-US" dirty="0"/>
-              <a:t>3D </a:t>
-            </a:r>
-            <a:r>
-              <a:rPr lang="en-US" dirty="0" err="1"/>
-              <a:t>WebGL</a:t>
-            </a:r>
-            <a:endParaRPr lang="en-US" dirty="0"/>
-          </a:p>
-          <a:p>
-            <a:r>
-              <a:rPr lang="en-US" dirty="0"/>
-              <a:t>OAUTH (?)</a:t>
-            </a:r>
-          </a:p>
-          <a:p>
-            <a:r>
-              <a:rPr lang="en-US" dirty="0"/>
-              <a:t>JavaScript / Java</a:t>
-            </a:r>
-          </a:p>
-          <a:p>
-            <a:endParaRPr lang="en-CA" dirty="0"/>
-          </a:p>
-        </p:txBody>
-      </p:sp>
     </p:spTree>
     <p:extLst>
       <p:ext uri="{BB962C8B-B14F-4D97-AF65-F5344CB8AC3E}">
-        <p14:creationId xmlns:p14="http://schemas.microsoft.com/office/powerpoint/2010/main" val="2268580251"/>
+        <p14:creationId xmlns:p14="http://schemas.microsoft.com/office/powerpoint/2010/main" val="2892020498"/>
       </p:ext>
     </p:extLst>
   </p:cSld>
@@ -5115,7 +4977,7 @@
           <a:p>
             <a:r>
               <a:rPr lang="en-US" sz="2400" b="1" dirty="0"/>
-              <a:t>System Context</a:t>
+              <a:t>Component Architecture</a:t>
             </a:r>
             <a:endParaRPr lang="en-CA" sz="2400" b="1" dirty="0"/>
           </a:p>
@@ -5181,7 +5043,7 @@
     </p:spTree>
     <p:extLst>
       <p:ext uri="{BB962C8B-B14F-4D97-AF65-F5344CB8AC3E}">
-        <p14:creationId xmlns:p14="http://schemas.microsoft.com/office/powerpoint/2010/main" val="2892020498"/>
+        <p14:creationId xmlns:p14="http://schemas.microsoft.com/office/powerpoint/2010/main" val="2519252995"/>
       </p:ext>
     </p:extLst>
   </p:cSld>
@@ -5192,126 +5054,6 @@
 </file>
 
 <file path=ppt/slides/slide7.xml><?xml version="1.0" encoding="utf-8"?>
-<p:sld xmlns:a="http://schemas.openxmlformats.org/drawingml/2006/main" xmlns:r="http://schemas.openxmlformats.org/officeDocument/2006/relationships" xmlns:p="http://schemas.openxmlformats.org/presentationml/2006/main">
-  <p:cSld>
-    <p:spTree>
-      <p:nvGrpSpPr>
-        <p:cNvPr id="1" name=""/>
-        <p:cNvGrpSpPr/>
-        <p:nvPr/>
-      </p:nvGrpSpPr>
-      <p:grpSpPr>
-        <a:xfrm>
-          <a:off x="0" y="0"/>
-          <a:ext cx="0" cy="0"/>
-          <a:chOff x="0" y="0"/>
-          <a:chExt cx="0" cy="0"/>
-        </a:xfrm>
-      </p:grpSpPr>
-      <p:sp>
-        <p:nvSpPr>
-          <p:cNvPr id="2" name="Title 1"/>
-          <p:cNvSpPr>
-            <a:spLocks noGrp="1"/>
-          </p:cNvSpPr>
-          <p:nvPr>
-            <p:ph type="title"/>
-          </p:nvPr>
-        </p:nvSpPr>
-        <p:spPr>
-          <a:xfrm>
-            <a:off x="0" y="0"/>
-            <a:ext cx="9144000" cy="457200"/>
-          </a:xfrm>
-          <a:solidFill>
-            <a:schemeClr val="accent1"/>
-          </a:solidFill>
-        </p:spPr>
-        <p:txBody>
-          <a:bodyPr>
-            <a:normAutofit/>
-          </a:bodyPr>
-          <a:lstStyle/>
-          <a:p>
-            <a:r>
-              <a:rPr lang="en-US" sz="2400" b="1" dirty="0"/>
-              <a:t>Component Architecture</a:t>
-            </a:r>
-            <a:endParaRPr lang="en-CA" sz="2400" b="1" dirty="0"/>
-          </a:p>
-        </p:txBody>
-      </p:sp>
-      <p:cxnSp>
-        <p:nvCxnSpPr>
-          <p:cNvPr id="13" name="Straight Connector 12"/>
-          <p:cNvCxnSpPr/>
-          <p:nvPr/>
-        </p:nvCxnSpPr>
-        <p:spPr>
-          <a:xfrm>
-            <a:off x="381000" y="6553200"/>
-            <a:ext cx="8305800" cy="0"/>
-          </a:xfrm>
-          <a:prstGeom prst="line">
-            <a:avLst/>
-          </a:prstGeom>
-        </p:spPr>
-        <p:style>
-          <a:lnRef idx="1">
-            <a:schemeClr val="accent1"/>
-          </a:lnRef>
-          <a:fillRef idx="0">
-            <a:schemeClr val="accent1"/>
-          </a:fillRef>
-          <a:effectRef idx="0">
-            <a:schemeClr val="accent1"/>
-          </a:effectRef>
-          <a:fontRef idx="minor">
-            <a:schemeClr val="tx1"/>
-          </a:fontRef>
-        </p:style>
-      </p:cxnSp>
-      <p:sp>
-        <p:nvSpPr>
-          <p:cNvPr id="14" name="Date Placeholder 13"/>
-          <p:cNvSpPr>
-            <a:spLocks noGrp="1"/>
-          </p:cNvSpPr>
-          <p:nvPr>
-            <p:ph type="dt" sz="half" idx="10"/>
-          </p:nvPr>
-        </p:nvSpPr>
-        <p:spPr>
-          <a:xfrm>
-            <a:off x="381000" y="6553200"/>
-            <a:ext cx="2133600" cy="274320"/>
-          </a:xfrm>
-        </p:spPr>
-        <p:txBody>
-          <a:bodyPr/>
-          <a:lstStyle/>
-          <a:p>
-            <a:r>
-              <a:rPr lang="en-CA" dirty="0"/>
-              <a:t>2017-04-27</a:t>
-            </a:r>
-          </a:p>
-        </p:txBody>
-      </p:sp>
-    </p:spTree>
-    <p:extLst>
-      <p:ext uri="{BB962C8B-B14F-4D97-AF65-F5344CB8AC3E}">
-        <p14:creationId xmlns:p14="http://schemas.microsoft.com/office/powerpoint/2010/main" val="2519252995"/>
-      </p:ext>
-    </p:extLst>
-  </p:cSld>
-  <p:clrMapOvr>
-    <a:masterClrMapping/>
-  </p:clrMapOvr>
-</p:sld>
-</file>
-
-<file path=ppt/slides/slide8.xml><?xml version="1.0" encoding="utf-8"?>
 <p:sld xmlns:a="http://schemas.openxmlformats.org/drawingml/2006/main" xmlns:r="http://schemas.openxmlformats.org/officeDocument/2006/relationships" xmlns:p="http://schemas.openxmlformats.org/presentationml/2006/main">
   <p:cSld>
     <p:spTree>

--- a/res/SpaceApps.pptx
+++ b/res/SpaceApps.pptx
@@ -5,16 +5,17 @@
     <p:sldMasterId id="2147483648" r:id="rId1"/>
   </p:sldMasterIdLst>
   <p:notesMasterIdLst>
-    <p:notesMasterId r:id="rId9"/>
+    <p:notesMasterId r:id="rId10"/>
   </p:notesMasterIdLst>
   <p:sldIdLst>
     <p:sldId id="260" r:id="rId2"/>
     <p:sldId id="259" r:id="rId3"/>
-    <p:sldId id="263" r:id="rId4"/>
-    <p:sldId id="267" r:id="rId5"/>
-    <p:sldId id="264" r:id="rId6"/>
-    <p:sldId id="265" r:id="rId7"/>
-    <p:sldId id="266" r:id="rId8"/>
+    <p:sldId id="269" r:id="rId4"/>
+    <p:sldId id="270" r:id="rId5"/>
+    <p:sldId id="271" r:id="rId6"/>
+    <p:sldId id="263" r:id="rId7"/>
+    <p:sldId id="267" r:id="rId8"/>
+    <p:sldId id="268" r:id="rId9"/>
   </p:sldIdLst>
   <p:sldSz cx="9144000" cy="6858000" type="screen4x3"/>
   <p:notesSz cx="6858000" cy="9144000"/>
@@ -3749,19 +3750,12 @@
               <a:rPr lang="en-CA" dirty="0">
                 <a:effectLst/>
               </a:rPr>
-              <a:t>“challenge”: “</a:t>
+              <a:t>“challenge”: </a:t>
             </a:r>
             <a:r>
               <a:rPr lang="en-CA" dirty="0"/>
-              <a:t>1D, 2D, 3D, GO!</a:t>
-            </a:r>
-            <a:r>
-              <a:rPr lang="en-CA" dirty="0">
-                <a:effectLst/>
-              </a:rPr>
-              <a:t>”,</a:t>
-            </a:r>
-            <a:endParaRPr lang="en-CA" dirty="0"/>
+              <a:t>“Mayday, Mayday, Mayday!”,</a:t>
+            </a:r>
           </a:p>
           <a:p>
             <a:pPr>
@@ -4026,7 +4020,19 @@
               <a:rPr lang="en-CA" sz="1900" dirty="0">
                 <a:effectLst/>
               </a:rPr>
-              <a:t>“occupation" : “University of Waterloo Student </a:t>
+              <a:t>“occupation" : “</a:t>
+            </a:r>
+            <a:r>
+              <a:rPr lang="en-CA" sz="1900" dirty="0" err="1">
+                <a:effectLst/>
+              </a:rPr>
+              <a:t>uWaterloo</a:t>
+            </a:r>
+            <a:r>
+              <a:rPr lang="en-CA" sz="1900" dirty="0">
+                <a:effectLst/>
+              </a:rPr>
+              <a:t> Student - </a:t>
             </a:r>
             <a:r>
               <a:rPr lang="en-CA" sz="1900" dirty="0"/>
@@ -4414,7 +4420,7 @@
         </p:blipFill>
         <p:spPr>
           <a:xfrm>
-            <a:off x="4786343" y="4861560"/>
+            <a:off x="4549140" y="4861560"/>
             <a:ext cx="1219200" cy="1219200"/>
           </a:xfrm>
           <a:prstGeom prst="rect">
@@ -4444,7 +4450,7 @@
         </p:blipFill>
         <p:spPr>
           <a:xfrm>
-            <a:off x="4786343" y="2948940"/>
+            <a:off x="4572000" y="3200400"/>
             <a:ext cx="1341120" cy="1341120"/>
           </a:xfrm>
           <a:prstGeom prst="rect">
@@ -4454,13 +4460,13 @@
       </p:pic>
       <p:pic>
         <p:nvPicPr>
-          <p:cNvPr id="17" name="Picture 16"/>
+          <p:cNvPr id="10" name="Picture 9"/>
           <p:cNvPicPr>
             <a:picLocks noChangeAspect="1"/>
           </p:cNvPicPr>
           <p:nvPr/>
         </p:nvPicPr>
-        <p:blipFill>
+        <p:blipFill rotWithShape="1">
           <a:blip r:embed="rId4">
             <a:extLst>
               <a:ext uri="{28A0092B-C50C-407E-A947-70E740481C1C}">
@@ -4468,44 +4474,13 @@
               </a:ext>
             </a:extLst>
           </a:blip>
-          <a:stretch>
-            <a:fillRect/>
-          </a:stretch>
+          <a:srcRect l="19081" t="26896" r="20230"/>
+          <a:stretch/>
         </p:blipFill>
         <p:spPr>
           <a:xfrm>
-            <a:off x="6923754" y="846435"/>
-            <a:ext cx="2102505" cy="2102505"/>
-          </a:xfrm>
-          <a:prstGeom prst="rect">
-            <a:avLst/>
-          </a:prstGeom>
-        </p:spPr>
-      </p:pic>
-      <p:pic>
-        <p:nvPicPr>
-          <p:cNvPr id="9" name="Picture 8"/>
-          <p:cNvPicPr>
-            <a:picLocks noChangeAspect="1"/>
-          </p:cNvPicPr>
-          <p:nvPr/>
-        </p:nvPicPr>
-        <p:blipFill>
-          <a:blip r:embed="rId5" cstate="print">
-            <a:extLst>
-              <a:ext uri="{28A0092B-C50C-407E-A947-70E740481C1C}">
-                <a14:useLocalDpi xmlns:a14="http://schemas.microsoft.com/office/drawing/2010/main" val="0"/>
-              </a:ext>
-            </a:extLst>
-          </a:blip>
-          <a:stretch>
-            <a:fillRect/>
-          </a:stretch>
-        </p:blipFill>
-        <p:spPr>
-          <a:xfrm>
-            <a:off x="8467725" y="19049"/>
-            <a:ext cx="676275" cy="590551"/>
+            <a:off x="6127463" y="685799"/>
+            <a:ext cx="2895600" cy="3487882"/>
           </a:xfrm>
           <a:prstGeom prst="rect">
             <a:avLst/>
@@ -4554,8 +4529,8 @@
         </p:nvSpPr>
         <p:spPr>
           <a:xfrm>
-            <a:off x="0" y="0"/>
-            <a:ext cx="9144000" cy="457200"/>
+            <a:off x="457200" y="274638"/>
+            <a:ext cx="8229600" cy="561977"/>
           </a:xfrm>
           <a:solidFill>
             <a:schemeClr val="accent1"/>
@@ -4568,10 +4543,118 @@
           <a:lstStyle/>
           <a:p>
             <a:r>
-              <a:rPr lang="en-US" sz="2400" b="1" dirty="0"/>
-              <a:t>WARM Solution Overview</a:t>
+              <a:rPr lang="en-US" sz="2400" b="1"/>
+              <a:t>The Opportunity</a:t>
             </a:r>
             <a:endParaRPr lang="en-CA" sz="2400" b="1" dirty="0"/>
+          </a:p>
+        </p:txBody>
+      </p:sp>
+      <p:sp>
+        <p:nvSpPr>
+          <p:cNvPr id="3" name="Content Placeholder 2"/>
+          <p:cNvSpPr>
+            <a:spLocks noGrp="1"/>
+          </p:cNvSpPr>
+          <p:nvPr>
+            <p:ph idx="1"/>
+          </p:nvPr>
+        </p:nvSpPr>
+        <p:spPr>
+          <a:xfrm>
+            <a:off x="457200" y="951709"/>
+            <a:ext cx="8229600" cy="4525963"/>
+          </a:xfrm>
+        </p:spPr>
+        <p:txBody>
+          <a:bodyPr>
+            <a:normAutofit/>
+          </a:bodyPr>
+          <a:lstStyle/>
+          <a:p>
+            <a:pPr>
+              <a:spcBef>
+                <a:spcPts val="0"/>
+              </a:spcBef>
+            </a:pPr>
+            <a:r>
+              <a:rPr lang="en-CA" sz="2000" dirty="0"/>
+              <a:t>Calculate radiation exposure for crew and passengers per flight</a:t>
+            </a:r>
+          </a:p>
+          <a:p>
+            <a:pPr>
+              <a:spcBef>
+                <a:spcPts val="0"/>
+              </a:spcBef>
+            </a:pPr>
+            <a:r>
+              <a:rPr lang="en-CA" sz="2000" dirty="0"/>
+              <a:t>Manage cumulative radiation exposure for flight crews (year to date, over last 5 years)</a:t>
+            </a:r>
+          </a:p>
+          <a:p>
+            <a:pPr>
+              <a:spcBef>
+                <a:spcPts val="0"/>
+              </a:spcBef>
+            </a:pPr>
+            <a:r>
+              <a:rPr lang="en-CA" sz="2000" dirty="0"/>
+              <a:t>Notify when crew radiation exposure thresholds are about to be exceeded</a:t>
+            </a:r>
+          </a:p>
+          <a:p>
+            <a:pPr>
+              <a:spcBef>
+                <a:spcPts val="0"/>
+              </a:spcBef>
+            </a:pPr>
+            <a:r>
+              <a:rPr lang="en-CA" sz="2000" dirty="0"/>
+              <a:t>Incorporate radiation exposure considerations in the elaboration of flight routes</a:t>
+            </a:r>
+          </a:p>
+          <a:p>
+            <a:pPr>
+              <a:spcBef>
+                <a:spcPts val="0"/>
+              </a:spcBef>
+            </a:pPr>
+            <a:r>
+              <a:rPr lang="en-CA" sz="2000" dirty="0"/>
+              <a:t>Incorporate notifications of events that may impact radiation exposure, such as space weather events</a:t>
+            </a:r>
+          </a:p>
+          <a:p>
+            <a:endParaRPr lang="en-CA" dirty="0"/>
+          </a:p>
+        </p:txBody>
+      </p:sp>
+      <p:sp>
+        <p:nvSpPr>
+          <p:cNvPr id="14" name="Date Placeholder 13"/>
+          <p:cNvSpPr>
+            <a:spLocks noGrp="1"/>
+          </p:cNvSpPr>
+          <p:nvPr>
+            <p:ph type="dt" sz="half" idx="10"/>
+          </p:nvPr>
+        </p:nvSpPr>
+        <p:spPr>
+          <a:xfrm>
+            <a:off x="457200" y="6438106"/>
+            <a:ext cx="2133600" cy="365125"/>
+          </a:xfrm>
+        </p:spPr>
+        <p:txBody>
+          <a:bodyPr/>
+          <a:lstStyle/>
+          <a:p>
+            <a:r>
+              <a:rPr lang="en-CA" dirty="0"/>
+              <a:t>2017-04-27</a:t>
+            </a:r>
           </a:p>
         </p:txBody>
       </p:sp>
@@ -4605,61 +4688,51 @@
           </a:fontRef>
         </p:style>
       </p:cxnSp>
-      <p:sp>
-        <p:nvSpPr>
-          <p:cNvPr id="14" name="Date Placeholder 13"/>
-          <p:cNvSpPr>
-            <a:spLocks noGrp="1"/>
-          </p:cNvSpPr>
-          <p:nvPr>
-            <p:ph type="dt" sz="half" idx="10"/>
-          </p:nvPr>
-        </p:nvSpPr>
-        <p:spPr>
-          <a:xfrm>
-            <a:off x="381000" y="6553200"/>
-            <a:ext cx="2133600" cy="274320"/>
-          </a:xfrm>
-        </p:spPr>
-        <p:txBody>
-          <a:bodyPr/>
-          <a:lstStyle/>
-          <a:p>
-            <a:r>
-              <a:rPr lang="en-CA" dirty="0"/>
-              <a:t>2017-04-27</a:t>
-            </a:r>
-          </a:p>
-        </p:txBody>
-      </p:sp>
       <p:pic>
         <p:nvPicPr>
-          <p:cNvPr id="4" name="Picture 3"/>
+          <p:cNvPr id="6" name="Picture 2" descr="Health Effects of Ionizing Radiation"/>
           <p:cNvPicPr>
-            <a:picLocks noChangeAspect="1"/>
+            <a:picLocks noChangeAspect="1" noChangeArrowheads="1"/>
           </p:cNvPicPr>
           <p:nvPr/>
         </p:nvPicPr>
         <p:blipFill>
-          <a:blip r:embed="rId2"/>
+          <a:blip r:embed="rId2">
+            <a:extLst>
+              <a:ext uri="{28A0092B-C50C-407E-A947-70E740481C1C}">
+                <a14:useLocalDpi xmlns:a14="http://schemas.microsoft.com/office/drawing/2010/main" val="0"/>
+              </a:ext>
+            </a:extLst>
+          </a:blip>
+          <a:srcRect/>
           <a:stretch>
             <a:fillRect/>
           </a:stretch>
         </p:blipFill>
-        <p:spPr>
-          <a:xfrm>
-            <a:off x="302099" y="1341383"/>
-            <a:ext cx="8539801" cy="4175234"/>
+        <p:spPr bwMode="auto">
+          <a:xfrm>
+            <a:off x="3137548" y="3589338"/>
+            <a:ext cx="5549252" cy="2963862"/>
           </a:xfrm>
           <a:prstGeom prst="rect">
             <a:avLst/>
           </a:prstGeom>
+          <a:noFill/>
+          <a:extLst>
+            <a:ext uri="{909E8E84-426E-40DD-AFC4-6F175D3DCCD1}">
+              <a14:hiddenFill xmlns:a14="http://schemas.microsoft.com/office/drawing/2010/main">
+                <a:solidFill>
+                  <a:srgbClr val="FFFFFF"/>
+                </a:solidFill>
+              </a14:hiddenFill>
+            </a:ext>
+          </a:extLst>
         </p:spPr>
       </p:pic>
     </p:spTree>
     <p:extLst>
       <p:ext uri="{BB962C8B-B14F-4D97-AF65-F5344CB8AC3E}">
-        <p14:creationId xmlns:p14="http://schemas.microsoft.com/office/powerpoint/2010/main" val="2268580251"/>
+        <p14:creationId xmlns:p14="http://schemas.microsoft.com/office/powerpoint/2010/main" val="1784346232"/>
       </p:ext>
     </p:extLst>
   </p:cSld>
@@ -4713,7 +4786,7 @@
           <a:p>
             <a:r>
               <a:rPr lang="en-US" sz="2400" b="1" dirty="0"/>
-              <a:t>WARM Mock-Up</a:t>
+              <a:t>System Context</a:t>
             </a:r>
             <a:endParaRPr lang="en-CA" sz="2400" b="1" dirty="0"/>
           </a:p>
@@ -4792,8 +4865,8 @@
         </p:blipFill>
         <p:spPr>
           <a:xfrm>
-            <a:off x="289199" y="591900"/>
-            <a:ext cx="8565601" cy="5674200"/>
+            <a:off x="0" y="432418"/>
+            <a:ext cx="9144000" cy="5993163"/>
           </a:xfrm>
           <a:prstGeom prst="rect">
             <a:avLst/>
@@ -4803,7 +4876,7 @@
     </p:spTree>
     <p:extLst>
       <p:ext uri="{BB962C8B-B14F-4D97-AF65-F5344CB8AC3E}">
-        <p14:creationId xmlns:p14="http://schemas.microsoft.com/office/powerpoint/2010/main" val="3695575715"/>
+        <p14:creationId xmlns:p14="http://schemas.microsoft.com/office/powerpoint/2010/main" val="3163631705"/>
       </p:ext>
     </p:extLst>
   </p:cSld>
@@ -4857,7 +4930,7 @@
           <a:p>
             <a:r>
               <a:rPr lang="en-US" sz="2400" b="1" dirty="0"/>
-              <a:t>WARM System Context</a:t>
+              <a:t>System Use Cases</a:t>
             </a:r>
             <a:endParaRPr lang="en-CA" sz="2400" b="1" dirty="0"/>
           </a:p>
@@ -4920,10 +4993,34 @@
           </a:p>
         </p:txBody>
       </p:sp>
+      <p:pic>
+        <p:nvPicPr>
+          <p:cNvPr id="3" name="Picture 2"/>
+          <p:cNvPicPr>
+            <a:picLocks noChangeAspect="1"/>
+          </p:cNvPicPr>
+          <p:nvPr/>
+        </p:nvPicPr>
+        <p:blipFill>
+          <a:blip r:embed="rId2"/>
+          <a:stretch>
+            <a:fillRect/>
+          </a:stretch>
+        </p:blipFill>
+        <p:spPr>
+          <a:xfrm>
+            <a:off x="2317838" y="541869"/>
+            <a:ext cx="4508324" cy="5978348"/>
+          </a:xfrm>
+          <a:prstGeom prst="rect">
+            <a:avLst/>
+          </a:prstGeom>
+        </p:spPr>
+      </p:pic>
     </p:spTree>
     <p:extLst>
       <p:ext uri="{BB962C8B-B14F-4D97-AF65-F5344CB8AC3E}">
-        <p14:creationId xmlns:p14="http://schemas.microsoft.com/office/powerpoint/2010/main" val="2892020498"/>
+        <p14:creationId xmlns:p14="http://schemas.microsoft.com/office/powerpoint/2010/main" val="408721552"/>
       </p:ext>
     </p:extLst>
   </p:cSld>
@@ -4977,7 +5074,7 @@
           <a:p>
             <a:r>
               <a:rPr lang="en-US" sz="2400" b="1" dirty="0"/>
-              <a:t>Component Architecture</a:t>
+              <a:t>WARM Solution Overview</a:t>
             </a:r>
             <a:endParaRPr lang="en-CA" sz="2400" b="1" dirty="0"/>
           </a:p>
@@ -5040,10 +5137,219 @@
           </a:p>
         </p:txBody>
       </p:sp>
+      <p:pic>
+        <p:nvPicPr>
+          <p:cNvPr id="4" name="Picture 3"/>
+          <p:cNvPicPr>
+            <a:picLocks noChangeAspect="1"/>
+          </p:cNvPicPr>
+          <p:nvPr/>
+        </p:nvPicPr>
+        <p:blipFill>
+          <a:blip r:embed="rId2"/>
+          <a:stretch>
+            <a:fillRect/>
+          </a:stretch>
+        </p:blipFill>
+        <p:spPr>
+          <a:xfrm>
+            <a:off x="228600" y="609600"/>
+            <a:ext cx="8763000" cy="5334000"/>
+          </a:xfrm>
+          <a:prstGeom prst="rect">
+            <a:avLst/>
+          </a:prstGeom>
+        </p:spPr>
+      </p:pic>
+      <p:sp>
+        <p:nvSpPr>
+          <p:cNvPr id="3" name="TextBox 2"/>
+          <p:cNvSpPr txBox="1"/>
+          <p:nvPr/>
+        </p:nvSpPr>
+        <p:spPr>
+          <a:xfrm>
+            <a:off x="1645920" y="4186297"/>
+            <a:ext cx="2971800" cy="2062103"/>
+          </a:xfrm>
+          <a:prstGeom prst="rect">
+            <a:avLst/>
+          </a:prstGeom>
+          <a:noFill/>
+        </p:spPr>
+        <p:txBody>
+          <a:bodyPr wrap="square" rtlCol="0">
+            <a:spAutoFit/>
+          </a:bodyPr>
+          <a:lstStyle/>
+          <a:p>
+            <a:r>
+              <a:rPr lang="en-CA" sz="1600" dirty="0"/>
+              <a:t>REST Integration APIs and adapters for Radiation/…</a:t>
+            </a:r>
+          </a:p>
+          <a:p>
+            <a:endParaRPr lang="en-CA" sz="1600" dirty="0"/>
+          </a:p>
+          <a:p>
+            <a:r>
+              <a:rPr lang="en-CA" sz="1600" dirty="0"/>
+              <a:t>Hotspot{</a:t>
+            </a:r>
+            <a:r>
+              <a:rPr lang="en-CA" sz="1600" dirty="0" err="1"/>
+              <a:t>flightId</a:t>
+            </a:r>
+            <a:r>
+              <a:rPr lang="en-CA" sz="1600" dirty="0"/>
+              <a:t>}</a:t>
+            </a:r>
+          </a:p>
+          <a:p>
+            <a:r>
+              <a:rPr lang="en-CA" sz="1600" dirty="0" err="1"/>
+              <a:t>AlternateRoute</a:t>
+            </a:r>
+            <a:r>
+              <a:rPr lang="en-CA" sz="1600" dirty="0"/>
+              <a:t>{</a:t>
+            </a:r>
+            <a:r>
+              <a:rPr lang="en-CA" sz="1600" dirty="0" err="1"/>
+              <a:t>flightId</a:t>
+            </a:r>
+            <a:r>
+              <a:rPr lang="en-CA" sz="1600" dirty="0"/>
+              <a:t>}</a:t>
+            </a:r>
+          </a:p>
+          <a:p>
+            <a:r>
+              <a:rPr lang="en-CA" sz="1600" dirty="0" err="1"/>
+              <a:t>IonizingRadiation</a:t>
+            </a:r>
+            <a:r>
+              <a:rPr lang="en-CA" sz="1600" dirty="0"/>
+              <a:t>{</a:t>
+            </a:r>
+            <a:r>
+              <a:rPr lang="en-CA" sz="1600" dirty="0" err="1"/>
+              <a:t>flightId</a:t>
+            </a:r>
+            <a:r>
+              <a:rPr lang="en-CA" sz="1600" dirty="0"/>
+              <a:t>}</a:t>
+            </a:r>
+          </a:p>
+          <a:p>
+            <a:r>
+              <a:rPr lang="en-CA" sz="1600" dirty="0" err="1"/>
+              <a:t>GalacticCosmicRadiation</a:t>
+            </a:r>
+            <a:r>
+              <a:rPr lang="en-CA" sz="1600" dirty="0"/>
+              <a:t>{</a:t>
+            </a:r>
+            <a:r>
+              <a:rPr lang="en-CA" sz="1600" dirty="0" err="1"/>
+              <a:t>flightId</a:t>
+            </a:r>
+            <a:r>
+              <a:rPr lang="en-CA" sz="1600" dirty="0"/>
+              <a:t>}</a:t>
+            </a:r>
+          </a:p>
+          <a:p>
+            <a:r>
+              <a:rPr lang="en-CA" sz="1600" dirty="0" err="1"/>
+              <a:t>SolarCosmicRadiation</a:t>
+            </a:r>
+            <a:r>
+              <a:rPr lang="en-CA" sz="1600" dirty="0"/>
+              <a:t>{</a:t>
+            </a:r>
+            <a:r>
+              <a:rPr lang="en-CA" sz="1600" dirty="0" err="1"/>
+              <a:t>flightId</a:t>
+            </a:r>
+            <a:r>
+              <a:rPr lang="en-CA" sz="1600" dirty="0"/>
+              <a:t>}</a:t>
+            </a:r>
+          </a:p>
+        </p:txBody>
+      </p:sp>
+      <p:sp>
+        <p:nvSpPr>
+          <p:cNvPr id="5" name="TextBox 4"/>
+          <p:cNvSpPr txBox="1"/>
+          <p:nvPr/>
+        </p:nvSpPr>
+        <p:spPr>
+          <a:xfrm>
+            <a:off x="220980" y="1143000"/>
+            <a:ext cx="1143000" cy="923330"/>
+          </a:xfrm>
+          <a:prstGeom prst="rect">
+            <a:avLst/>
+          </a:prstGeom>
+          <a:solidFill>
+            <a:schemeClr val="bg1"/>
+          </a:solidFill>
+        </p:spPr>
+        <p:txBody>
+          <a:bodyPr wrap="square" rtlCol="0">
+            <a:spAutoFit/>
+          </a:bodyPr>
+          <a:lstStyle/>
+          <a:p>
+            <a:r>
+              <a:rPr lang="en-CA" dirty="0">
+                <a:solidFill>
+                  <a:schemeClr val="tx2">
+                    <a:lumMod val="60000"/>
+                    <a:lumOff val="40000"/>
+                  </a:schemeClr>
+                </a:solidFill>
+              </a:rPr>
+              <a:t>Channel App Client</a:t>
+            </a:r>
+          </a:p>
+        </p:txBody>
+      </p:sp>
+      <p:sp>
+        <p:nvSpPr>
+          <p:cNvPr id="8" name="TextBox 7"/>
+          <p:cNvSpPr txBox="1"/>
+          <p:nvPr/>
+        </p:nvSpPr>
+        <p:spPr>
+          <a:xfrm>
+            <a:off x="2392680" y="609599"/>
+            <a:ext cx="1684020" cy="1384995"/>
+          </a:xfrm>
+          <a:prstGeom prst="rect">
+            <a:avLst/>
+          </a:prstGeom>
+          <a:noFill/>
+        </p:spPr>
+        <p:txBody>
+          <a:bodyPr wrap="square" rtlCol="0">
+            <a:spAutoFit/>
+          </a:bodyPr>
+          <a:lstStyle/>
+          <a:p>
+            <a:r>
+              <a:rPr lang="en-CA" sz="1400" dirty="0"/>
+              <a:t>Deployment on private Domain requiring authorization of REST web services with OAUTH</a:t>
+            </a:r>
+          </a:p>
+        </p:txBody>
+      </p:sp>
     </p:spTree>
     <p:extLst>
       <p:ext uri="{BB962C8B-B14F-4D97-AF65-F5344CB8AC3E}">
-        <p14:creationId xmlns:p14="http://schemas.microsoft.com/office/powerpoint/2010/main" val="2519252995"/>
+        <p14:creationId xmlns:p14="http://schemas.microsoft.com/office/powerpoint/2010/main" val="2268580251"/>
       </p:ext>
     </p:extLst>
   </p:cSld>
@@ -5097,7 +5403,7 @@
           <a:p>
             <a:r>
               <a:rPr lang="en-US" sz="2400" b="1" dirty="0"/>
-              <a:t>Sequence Diagram</a:t>
+              <a:t>WARM Original Mock-Up</a:t>
             </a:r>
             <a:endParaRPr lang="en-CA" sz="2400" b="1" dirty="0"/>
           </a:p>
@@ -5160,10 +5466,453 @@
           </a:p>
         </p:txBody>
       </p:sp>
+      <p:pic>
+        <p:nvPicPr>
+          <p:cNvPr id="5" name="Picture 4"/>
+          <p:cNvPicPr>
+            <a:picLocks noChangeAspect="1"/>
+          </p:cNvPicPr>
+          <p:nvPr/>
+        </p:nvPicPr>
+        <p:blipFill>
+          <a:blip r:embed="rId2"/>
+          <a:stretch>
+            <a:fillRect/>
+          </a:stretch>
+        </p:blipFill>
+        <p:spPr>
+          <a:xfrm>
+            <a:off x="289199" y="591900"/>
+            <a:ext cx="8565601" cy="5674200"/>
+          </a:xfrm>
+          <a:prstGeom prst="rect">
+            <a:avLst/>
+          </a:prstGeom>
+        </p:spPr>
+      </p:pic>
+      <p:sp>
+        <p:nvSpPr>
+          <p:cNvPr id="3" name="Speech Bubble: Rectangle with Corners Rounded 2"/>
+          <p:cNvSpPr/>
+          <p:nvPr/>
+        </p:nvSpPr>
+        <p:spPr>
+          <a:xfrm>
+            <a:off x="3200400" y="914400"/>
+            <a:ext cx="1143000" cy="457200"/>
+          </a:xfrm>
+          <a:prstGeom prst="wedgeRoundRectCallout">
+            <a:avLst>
+              <a:gd name="adj1" fmla="val -60166"/>
+              <a:gd name="adj2" fmla="val 84167"/>
+              <a:gd name="adj3" fmla="val 16667"/>
+            </a:avLst>
+          </a:prstGeom>
+          <a:solidFill>
+            <a:schemeClr val="bg1"/>
+          </a:solidFill>
+        </p:spPr>
+        <p:style>
+          <a:lnRef idx="2">
+            <a:schemeClr val="accent1">
+              <a:shade val="50000"/>
+            </a:schemeClr>
+          </a:lnRef>
+          <a:fillRef idx="1">
+            <a:schemeClr val="accent1"/>
+          </a:fillRef>
+          <a:effectRef idx="0">
+            <a:schemeClr val="accent1"/>
+          </a:effectRef>
+          <a:fontRef idx="minor">
+            <a:schemeClr val="lt1"/>
+          </a:fontRef>
+        </p:style>
+        <p:txBody>
+          <a:bodyPr rtlCol="0" anchor="ctr"/>
+          <a:lstStyle/>
+          <a:p>
+            <a:pPr algn="ctr"/>
+            <a:r>
+              <a:rPr lang="en-CA" sz="1200" dirty="0" err="1">
+                <a:solidFill>
+                  <a:schemeClr val="tx1"/>
+                </a:solidFill>
+              </a:rPr>
+              <a:t>WayPoint</a:t>
+            </a:r>
+            <a:r>
+              <a:rPr lang="en-CA" sz="1200" dirty="0">
+                <a:solidFill>
+                  <a:schemeClr val="tx1"/>
+                </a:solidFill>
+              </a:rPr>
+              <a:t> Data</a:t>
+            </a:r>
+          </a:p>
+        </p:txBody>
+      </p:sp>
+      <p:sp>
+        <p:nvSpPr>
+          <p:cNvPr id="4" name="TextBox 3"/>
+          <p:cNvSpPr txBox="1"/>
+          <p:nvPr/>
+        </p:nvSpPr>
+        <p:spPr>
+          <a:xfrm>
+            <a:off x="990600" y="914400"/>
+            <a:ext cx="1828800" cy="830997"/>
+          </a:xfrm>
+          <a:prstGeom prst="rect">
+            <a:avLst/>
+          </a:prstGeom>
+          <a:noFill/>
+        </p:spPr>
+        <p:txBody>
+          <a:bodyPr wrap="square" rtlCol="0">
+            <a:spAutoFit/>
+          </a:bodyPr>
+          <a:lstStyle/>
+          <a:p>
+            <a:r>
+              <a:rPr lang="en-CA" sz="1600" dirty="0"/>
+              <a:t>Mouse Hover over waypoint displays Data over a pop-up</a:t>
+            </a:r>
+          </a:p>
+        </p:txBody>
+      </p:sp>
+      <p:sp>
+        <p:nvSpPr>
+          <p:cNvPr id="8" name="TextBox 7"/>
+          <p:cNvSpPr txBox="1"/>
+          <p:nvPr/>
+        </p:nvSpPr>
+        <p:spPr>
+          <a:xfrm>
+            <a:off x="411480" y="2361387"/>
+            <a:ext cx="2590800" cy="584775"/>
+          </a:xfrm>
+          <a:prstGeom prst="rect">
+            <a:avLst/>
+          </a:prstGeom>
+          <a:noFill/>
+        </p:spPr>
+        <p:txBody>
+          <a:bodyPr wrap="square" rtlCol="0">
+            <a:spAutoFit/>
+          </a:bodyPr>
+          <a:lstStyle/>
+          <a:p>
+            <a:r>
+              <a:rPr lang="en-CA" sz="1600" dirty="0"/>
+              <a:t>Adjustable gradient based on radiation level threshold</a:t>
+            </a:r>
+          </a:p>
+        </p:txBody>
+      </p:sp>
+      <p:pic>
+        <p:nvPicPr>
+          <p:cNvPr id="7" name="Picture 6"/>
+          <p:cNvPicPr>
+            <a:picLocks noChangeAspect="1"/>
+          </p:cNvPicPr>
+          <p:nvPr/>
+        </p:nvPicPr>
+        <p:blipFill>
+          <a:blip r:embed="rId3"/>
+          <a:stretch>
+            <a:fillRect/>
+          </a:stretch>
+        </p:blipFill>
+        <p:spPr>
+          <a:xfrm>
+            <a:off x="411480" y="2962566"/>
+            <a:ext cx="960120" cy="260722"/>
+          </a:xfrm>
+          <a:prstGeom prst="rect">
+            <a:avLst/>
+          </a:prstGeom>
+        </p:spPr>
+      </p:pic>
+      <p:sp>
+        <p:nvSpPr>
+          <p:cNvPr id="11" name="TextBox 10"/>
+          <p:cNvSpPr txBox="1"/>
+          <p:nvPr/>
+        </p:nvSpPr>
+        <p:spPr>
+          <a:xfrm>
+            <a:off x="4724400" y="637620"/>
+            <a:ext cx="1143000" cy="830997"/>
+          </a:xfrm>
+          <a:prstGeom prst="rect">
+            <a:avLst/>
+          </a:prstGeom>
+          <a:noFill/>
+        </p:spPr>
+        <p:txBody>
+          <a:bodyPr wrap="square" rtlCol="0">
+            <a:spAutoFit/>
+          </a:bodyPr>
+          <a:lstStyle/>
+          <a:p>
+            <a:pPr algn="r"/>
+            <a:r>
+              <a:rPr lang="en-CA" sz="1600" dirty="0"/>
+              <a:t>Layers and overlay controls</a:t>
+            </a:r>
+          </a:p>
+        </p:txBody>
+      </p:sp>
     </p:spTree>
     <p:extLst>
       <p:ext uri="{BB962C8B-B14F-4D97-AF65-F5344CB8AC3E}">
-        <p14:creationId xmlns:p14="http://schemas.microsoft.com/office/powerpoint/2010/main" val="4051552620"/>
+        <p14:creationId xmlns:p14="http://schemas.microsoft.com/office/powerpoint/2010/main" val="3695575715"/>
+      </p:ext>
+    </p:extLst>
+  </p:cSld>
+  <p:clrMapOvr>
+    <a:masterClrMapping/>
+  </p:clrMapOvr>
+</p:sld>
+</file>
+
+<file path=ppt/slides/slide8.xml><?xml version="1.0" encoding="utf-8"?>
+<p:sld xmlns:a="http://schemas.openxmlformats.org/drawingml/2006/main" xmlns:r="http://schemas.openxmlformats.org/officeDocument/2006/relationships" xmlns:p="http://schemas.openxmlformats.org/presentationml/2006/main">
+  <p:cSld>
+    <p:spTree>
+      <p:nvGrpSpPr>
+        <p:cNvPr id="1" name=""/>
+        <p:cNvGrpSpPr/>
+        <p:nvPr/>
+      </p:nvGrpSpPr>
+      <p:grpSpPr>
+        <a:xfrm>
+          <a:off x="0" y="0"/>
+          <a:ext cx="0" cy="0"/>
+          <a:chOff x="0" y="0"/>
+          <a:chExt cx="0" cy="0"/>
+        </a:xfrm>
+      </p:grpSpPr>
+      <p:sp>
+        <p:nvSpPr>
+          <p:cNvPr id="2" name="Title 1"/>
+          <p:cNvSpPr>
+            <a:spLocks noGrp="1"/>
+          </p:cNvSpPr>
+          <p:nvPr>
+            <p:ph type="title"/>
+          </p:nvPr>
+        </p:nvSpPr>
+        <p:spPr>
+          <a:xfrm>
+            <a:off x="0" y="0"/>
+            <a:ext cx="9144000" cy="457200"/>
+          </a:xfrm>
+          <a:solidFill>
+            <a:schemeClr val="accent1"/>
+          </a:solidFill>
+        </p:spPr>
+        <p:txBody>
+          <a:bodyPr>
+            <a:normAutofit/>
+          </a:bodyPr>
+          <a:lstStyle/>
+          <a:p>
+            <a:r>
+              <a:rPr lang="en-US" sz="2400" b="1" dirty="0"/>
+              <a:t>Lessons Learned</a:t>
+            </a:r>
+            <a:endParaRPr lang="en-CA" sz="2400" b="1" dirty="0"/>
+          </a:p>
+        </p:txBody>
+      </p:sp>
+      <p:cxnSp>
+        <p:nvCxnSpPr>
+          <p:cNvPr id="13" name="Straight Connector 12"/>
+          <p:cNvCxnSpPr/>
+          <p:nvPr/>
+        </p:nvCxnSpPr>
+        <p:spPr>
+          <a:xfrm>
+            <a:off x="381000" y="6553200"/>
+            <a:ext cx="8305800" cy="0"/>
+          </a:xfrm>
+          <a:prstGeom prst="line">
+            <a:avLst/>
+          </a:prstGeom>
+        </p:spPr>
+        <p:style>
+          <a:lnRef idx="1">
+            <a:schemeClr val="accent1"/>
+          </a:lnRef>
+          <a:fillRef idx="0">
+            <a:schemeClr val="accent1"/>
+          </a:fillRef>
+          <a:effectRef idx="0">
+            <a:schemeClr val="accent1"/>
+          </a:effectRef>
+          <a:fontRef idx="minor">
+            <a:schemeClr val="tx1"/>
+          </a:fontRef>
+        </p:style>
+      </p:cxnSp>
+      <p:sp>
+        <p:nvSpPr>
+          <p:cNvPr id="14" name="Date Placeholder 13"/>
+          <p:cNvSpPr>
+            <a:spLocks noGrp="1"/>
+          </p:cNvSpPr>
+          <p:nvPr>
+            <p:ph type="dt" sz="half" idx="10"/>
+          </p:nvPr>
+        </p:nvSpPr>
+        <p:spPr>
+          <a:xfrm>
+            <a:off x="381000" y="6553200"/>
+            <a:ext cx="2133600" cy="274320"/>
+          </a:xfrm>
+        </p:spPr>
+        <p:txBody>
+          <a:bodyPr/>
+          <a:lstStyle/>
+          <a:p>
+            <a:r>
+              <a:rPr lang="en-CA" dirty="0"/>
+              <a:t>2017-04-27</a:t>
+            </a:r>
+          </a:p>
+        </p:txBody>
+      </p:sp>
+      <p:sp>
+        <p:nvSpPr>
+          <p:cNvPr id="3" name="TextBox 2"/>
+          <p:cNvSpPr txBox="1"/>
+          <p:nvPr/>
+        </p:nvSpPr>
+        <p:spPr>
+          <a:xfrm>
+            <a:off x="457200" y="685800"/>
+            <a:ext cx="8153400" cy="4339650"/>
+          </a:xfrm>
+          <a:prstGeom prst="rect">
+            <a:avLst/>
+          </a:prstGeom>
+          <a:noFill/>
+        </p:spPr>
+        <p:txBody>
+          <a:bodyPr wrap="square" rtlCol="0">
+            <a:spAutoFit/>
+          </a:bodyPr>
+          <a:lstStyle/>
+          <a:p>
+            <a:pPr marL="285750" indent="-285750">
+              <a:buFont typeface="Arial" panose="020B0604020202020204" pitchFamily="34" charset="0"/>
+              <a:buChar char="•"/>
+            </a:pPr>
+            <a:r>
+              <a:rPr lang="en-CA" sz="2400" dirty="0"/>
+              <a:t>Some API Enterprise servers enforce quota management and rate limiting API calls in a too limiting way</a:t>
+            </a:r>
+          </a:p>
+          <a:p>
+            <a:pPr marL="285750" indent="-285750">
+              <a:buFont typeface="Arial" panose="020B0604020202020204" pitchFamily="34" charset="0"/>
+              <a:buChar char="•"/>
+            </a:pPr>
+            <a:r>
+              <a:rPr lang="en-CA" sz="2400" dirty="0"/>
+              <a:t>Some visual APIs should provide standard-based visual API </a:t>
+            </a:r>
+            <a:r>
+              <a:rPr lang="en-CA" sz="2400"/>
+              <a:t>specs (Swagger).</a:t>
+            </a:r>
+            <a:endParaRPr lang="en-CA" sz="2400" dirty="0"/>
+          </a:p>
+          <a:p>
+            <a:pPr marL="285750" indent="-285750">
+              <a:buFont typeface="Arial" panose="020B0604020202020204" pitchFamily="34" charset="0"/>
+              <a:buChar char="•"/>
+            </a:pPr>
+            <a:r>
+              <a:rPr lang="en-CA" sz="2400" dirty="0"/>
+              <a:t>No security was implemented (no OAUTH)</a:t>
+            </a:r>
+          </a:p>
+          <a:p>
+            <a:pPr marL="285750" indent="-285750">
+              <a:buFont typeface="Arial" panose="020B0604020202020204" pitchFamily="34" charset="0"/>
+              <a:buChar char="•"/>
+            </a:pPr>
+            <a:r>
+              <a:rPr lang="en-CA" sz="2400" dirty="0"/>
+              <a:t>No API management (product lifecycle) was implemented </a:t>
+            </a:r>
+          </a:p>
+          <a:p>
+            <a:pPr marL="285750" indent="-285750">
+              <a:buFont typeface="Arial" panose="020B0604020202020204" pitchFamily="34" charset="0"/>
+              <a:buChar char="•"/>
+            </a:pPr>
+            <a:r>
+              <a:rPr lang="en-CA" sz="2400" dirty="0"/>
+              <a:t>ArcGIS API for JavaScript is really easier to learn </a:t>
+            </a:r>
+          </a:p>
+          <a:p>
+            <a:pPr marL="285750" indent="-285750">
+              <a:buFont typeface="Arial" panose="020B0604020202020204" pitchFamily="34" charset="0"/>
+              <a:buChar char="•"/>
+            </a:pPr>
+            <a:r>
+              <a:rPr lang="en-CA" sz="2400" dirty="0"/>
+              <a:t>It would have been preferable to use a framework such as </a:t>
+            </a:r>
+            <a:r>
+              <a:rPr lang="en-CA" sz="2400" dirty="0" err="1"/>
+              <a:t>Bluemix</a:t>
+            </a:r>
+            <a:r>
+              <a:rPr lang="en-CA" sz="2400" dirty="0"/>
+              <a:t> and/or API Connect, Loopback, </a:t>
+            </a:r>
+            <a:r>
+              <a:rPr lang="en-CA" sz="2400" dirty="0" err="1"/>
+              <a:t>etc</a:t>
+            </a:r>
+            <a:endParaRPr lang="en-CA" sz="2400" dirty="0"/>
+          </a:p>
+          <a:p>
+            <a:pPr marL="285750" indent="-285750">
+              <a:buFont typeface="Arial" panose="020B0604020202020204" pitchFamily="34" charset="0"/>
+              <a:buChar char="•"/>
+            </a:pPr>
+            <a:r>
+              <a:rPr lang="en-CA" sz="2400" dirty="0"/>
+              <a:t>2 days is really short for advanced analytics</a:t>
+            </a:r>
+          </a:p>
+          <a:p>
+            <a:pPr marL="285750" indent="-285750">
+              <a:buFont typeface="Arial" panose="020B0604020202020204" pitchFamily="34" charset="0"/>
+              <a:buChar char="•"/>
+            </a:pPr>
+            <a:endParaRPr lang="en-CA" dirty="0"/>
+          </a:p>
+          <a:p>
+            <a:pPr marL="285750" indent="-285750">
+              <a:buFont typeface="Arial" panose="020B0604020202020204" pitchFamily="34" charset="0"/>
+              <a:buChar char="•"/>
+            </a:pPr>
+            <a:endParaRPr lang="en-CA" dirty="0"/>
+          </a:p>
+        </p:txBody>
+      </p:sp>
+    </p:spTree>
+    <p:extLst>
+      <p:ext uri="{BB962C8B-B14F-4D97-AF65-F5344CB8AC3E}">
+        <p14:creationId xmlns:p14="http://schemas.microsoft.com/office/powerpoint/2010/main" val="541575214"/>
       </p:ext>
     </p:extLst>
   </p:cSld>
